--- a/baitap/Intern Report.pptx
+++ b/baitap/Intern Report.pptx
@@ -334,7 +334,7 @@
             <a:fld id="{1D8BD707-D9CF-40AE-B4C6-C98DA3205C09}" type="datetimeFigureOut">
               <a:rPr lang="en-US" smtClean="0"/>
               <a:pPr/>
-              <a:t>7/2/2023</a:t>
+              <a:t>7/5/2023</a:t>
             </a:fld>
             <a:endParaRPr lang="en-US"/>
           </a:p>
@@ -499,7 +499,7 @@
             <a:fld id="{1D8BD707-D9CF-40AE-B4C6-C98DA3205C09}" type="datetimeFigureOut">
               <a:rPr lang="en-US" smtClean="0"/>
               <a:pPr/>
-              <a:t>7/2/2023</a:t>
+              <a:t>7/5/2023</a:t>
             </a:fld>
             <a:endParaRPr lang="en-US"/>
           </a:p>
@@ -674,7 +674,7 @@
             <a:fld id="{1D8BD707-D9CF-40AE-B4C6-C98DA3205C09}" type="datetimeFigureOut">
               <a:rPr lang="en-US" smtClean="0"/>
               <a:pPr/>
-              <a:t>7/2/2023</a:t>
+              <a:t>7/5/2023</a:t>
             </a:fld>
             <a:endParaRPr lang="en-US"/>
           </a:p>
@@ -839,7 +839,7 @@
             <a:fld id="{1D8BD707-D9CF-40AE-B4C6-C98DA3205C09}" type="datetimeFigureOut">
               <a:rPr lang="en-US" smtClean="0"/>
               <a:pPr/>
-              <a:t>7/2/2023</a:t>
+              <a:t>7/5/2023</a:t>
             </a:fld>
             <a:endParaRPr lang="en-US"/>
           </a:p>
@@ -1081,7 +1081,7 @@
             <a:fld id="{1D8BD707-D9CF-40AE-B4C6-C98DA3205C09}" type="datetimeFigureOut">
               <a:rPr lang="en-US" smtClean="0"/>
               <a:pPr/>
-              <a:t>7/2/2023</a:t>
+              <a:t>7/5/2023</a:t>
             </a:fld>
             <a:endParaRPr lang="en-US"/>
           </a:p>
@@ -1363,7 +1363,7 @@
             <a:fld id="{1D8BD707-D9CF-40AE-B4C6-C98DA3205C09}" type="datetimeFigureOut">
               <a:rPr lang="en-US" smtClean="0"/>
               <a:pPr/>
-              <a:t>7/2/2023</a:t>
+              <a:t>7/5/2023</a:t>
             </a:fld>
             <a:endParaRPr lang="en-US"/>
           </a:p>
@@ -1779,7 +1779,7 @@
             <a:fld id="{1D8BD707-D9CF-40AE-B4C6-C98DA3205C09}" type="datetimeFigureOut">
               <a:rPr lang="en-US" smtClean="0"/>
               <a:pPr/>
-              <a:t>7/2/2023</a:t>
+              <a:t>7/5/2023</a:t>
             </a:fld>
             <a:endParaRPr lang="en-US"/>
           </a:p>
@@ -1893,7 +1893,7 @@
             <a:fld id="{1D8BD707-D9CF-40AE-B4C6-C98DA3205C09}" type="datetimeFigureOut">
               <a:rPr lang="en-US" smtClean="0"/>
               <a:pPr/>
-              <a:t>7/2/2023</a:t>
+              <a:t>7/5/2023</a:t>
             </a:fld>
             <a:endParaRPr lang="en-US"/>
           </a:p>
@@ -1985,7 +1985,7 @@
             <a:fld id="{1D8BD707-D9CF-40AE-B4C6-C98DA3205C09}" type="datetimeFigureOut">
               <a:rPr lang="en-US" smtClean="0"/>
               <a:pPr/>
-              <a:t>7/2/2023</a:t>
+              <a:t>7/5/2023</a:t>
             </a:fld>
             <a:endParaRPr lang="en-US"/>
           </a:p>
@@ -2257,7 +2257,7 @@
             <a:fld id="{1D8BD707-D9CF-40AE-B4C6-C98DA3205C09}" type="datetimeFigureOut">
               <a:rPr lang="en-US" smtClean="0"/>
               <a:pPr/>
-              <a:t>7/2/2023</a:t>
+              <a:t>7/5/2023</a:t>
             </a:fld>
             <a:endParaRPr lang="en-US"/>
           </a:p>
@@ -2506,7 +2506,7 @@
             <a:fld id="{1D8BD707-D9CF-40AE-B4C6-C98DA3205C09}" type="datetimeFigureOut">
               <a:rPr lang="en-US" smtClean="0"/>
               <a:pPr/>
-              <a:t>7/2/2023</a:t>
+              <a:t>7/5/2023</a:t>
             </a:fld>
             <a:endParaRPr lang="en-US"/>
           </a:p>
@@ -2714,7 +2714,7 @@
             <a:fld id="{1D8BD707-D9CF-40AE-B4C6-C98DA3205C09}" type="datetimeFigureOut">
               <a:rPr lang="en-US" smtClean="0"/>
               <a:pPr/>
-              <a:t>7/2/2023</a:t>
+              <a:t>7/5/2023</a:t>
             </a:fld>
             <a:endParaRPr lang="en-US"/>
           </a:p>
@@ -4390,13 +4390,76 @@
               </a:lnSpc>
             </a:pPr>
             <a:r>
-              <a:rPr lang="en-US" sz="3324" spc="325">
+              <a:rPr lang="en-US" sz="3324" spc="325" dirty="0" err="1">
                 <a:solidFill>
                   <a:srgbClr val="231F20"/>
                 </a:solidFill>
                 <a:latin typeface="DM Sans"/>
               </a:rPr>
-              <a:t>Sử dụng Devtools để debug code</a:t>
+              <a:t>Sử</a:t>
+            </a:r>
+            <a:r>
+              <a:rPr lang="en-US" sz="3324" spc="325" dirty="0">
+                <a:solidFill>
+                  <a:srgbClr val="231F20"/>
+                </a:solidFill>
+                <a:latin typeface="DM Sans"/>
+              </a:rPr>
+              <a:t> </a:t>
+            </a:r>
+            <a:r>
+              <a:rPr lang="en-US" sz="3324" spc="325" dirty="0" err="1">
+                <a:solidFill>
+                  <a:srgbClr val="231F20"/>
+                </a:solidFill>
+                <a:latin typeface="DM Sans"/>
+              </a:rPr>
+              <a:t>dụng</a:t>
+            </a:r>
+            <a:r>
+              <a:rPr lang="en-US" sz="3324" spc="325" dirty="0">
+                <a:solidFill>
+                  <a:srgbClr val="231F20"/>
+                </a:solidFill>
+                <a:latin typeface="DM Sans"/>
+              </a:rPr>
+              <a:t> </a:t>
+            </a:r>
+            <a:r>
+              <a:rPr lang="en-US" sz="3324" spc="325" dirty="0" err="1">
+                <a:solidFill>
+                  <a:srgbClr val="231F20"/>
+                </a:solidFill>
+                <a:latin typeface="DM Sans"/>
+              </a:rPr>
+              <a:t>Devtools</a:t>
+            </a:r>
+            <a:r>
+              <a:rPr lang="en-US" sz="3324" spc="325" dirty="0">
+                <a:solidFill>
+                  <a:srgbClr val="231F20"/>
+                </a:solidFill>
+                <a:latin typeface="DM Sans"/>
+              </a:rPr>
+              <a:t> </a:t>
+            </a:r>
+            <a:r>
+              <a:rPr lang="en-US" sz="3324" spc="325" dirty="0" err="1">
+                <a:solidFill>
+                  <a:srgbClr val="231F20"/>
+                </a:solidFill>
+                <a:latin typeface="DM Sans"/>
+              </a:rPr>
+              <a:t>để</a:t>
+            </a:r>
+            <a:r>
+              <a:rPr lang="en-US" sz="3324" spc="325" dirty="0">
+                <a:solidFill>
+                  <a:srgbClr val="231F20"/>
+                </a:solidFill>
+                <a:latin typeface="DM Sans"/>
+              </a:rPr>
+              <a:t> debug code</a:t>
             </a:r>
           </a:p>
           <a:p>
@@ -4405,7 +4468,7 @@
                 <a:spcPts val="4587"/>
               </a:lnSpc>
             </a:pPr>
-            <a:endParaRPr lang="en-US" sz="3324" spc="325">
+            <a:endParaRPr lang="en-US" sz="3324" spc="325" dirty="0">
               <a:solidFill>
                 <a:srgbClr val="231F20"/>
               </a:solidFill>
@@ -4441,13 +4504,40 @@
               </a:lnSpc>
             </a:pPr>
             <a:r>
-              <a:rPr lang="en-US" sz="3324" spc="325">
+              <a:rPr lang="en-US" sz="3324" spc="325" dirty="0" err="1">
                 <a:solidFill>
                   <a:srgbClr val="231F20"/>
                 </a:solidFill>
                 <a:latin typeface="DM Sans"/>
               </a:rPr>
-              <a:t>Biết cách check perfect pixel</a:t>
+              <a:t>Biết</a:t>
+            </a:r>
+            <a:r>
+              <a:rPr lang="en-US" sz="3324" spc="325" dirty="0">
+                <a:solidFill>
+                  <a:srgbClr val="231F20"/>
+                </a:solidFill>
+                <a:latin typeface="DM Sans"/>
+              </a:rPr>
+              <a:t> </a:t>
+            </a:r>
+            <a:r>
+              <a:rPr lang="en-US" sz="3324" spc="325" dirty="0" err="1">
+                <a:solidFill>
+                  <a:srgbClr val="231F20"/>
+                </a:solidFill>
+                <a:latin typeface="DM Sans"/>
+              </a:rPr>
+              <a:t>cách</a:t>
+            </a:r>
+            <a:r>
+              <a:rPr lang="en-US" sz="3324" spc="325" dirty="0">
+                <a:solidFill>
+                  <a:srgbClr val="231F20"/>
+                </a:solidFill>
+                <a:latin typeface="DM Sans"/>
+              </a:rPr>
+              <a:t> check perfect pixel</a:t>
             </a:r>
           </a:p>
           <a:p>
@@ -4459,7 +4549,7 @@
                 <a:spcPct val="0"/>
               </a:spcBef>
             </a:pPr>
-            <a:endParaRPr lang="en-US" sz="3324" spc="325">
+            <a:endParaRPr lang="en-US" sz="3324" spc="325" dirty="0">
               <a:solidFill>
                 <a:srgbClr val="231F20"/>
               </a:solidFill>
@@ -4495,13 +4585,40 @@
               </a:lnSpc>
             </a:pPr>
             <a:r>
-              <a:rPr lang="en-US" sz="3324" spc="325">
+              <a:rPr lang="en-US" sz="3324" spc="325" dirty="0" err="1">
                 <a:solidFill>
                   <a:srgbClr val="231F20"/>
                 </a:solidFill>
                 <a:latin typeface="DM Sans"/>
               </a:rPr>
-              <a:t>Biết cách check Validate Documents</a:t>
+              <a:t>Biết</a:t>
+            </a:r>
+            <a:r>
+              <a:rPr lang="en-US" sz="3324" spc="325" dirty="0">
+                <a:solidFill>
+                  <a:srgbClr val="231F20"/>
+                </a:solidFill>
+                <a:latin typeface="DM Sans"/>
+              </a:rPr>
+              <a:t> </a:t>
+            </a:r>
+            <a:r>
+              <a:rPr lang="en-US" sz="3324" spc="325" dirty="0" err="1">
+                <a:solidFill>
+                  <a:srgbClr val="231F20"/>
+                </a:solidFill>
+                <a:latin typeface="DM Sans"/>
+              </a:rPr>
+              <a:t>cách</a:t>
+            </a:r>
+            <a:r>
+              <a:rPr lang="en-US" sz="3324" spc="325" dirty="0">
+                <a:solidFill>
+                  <a:srgbClr val="231F20"/>
+                </a:solidFill>
+                <a:latin typeface="DM Sans"/>
+              </a:rPr>
+              <a:t> check Validate Code</a:t>
             </a:r>
           </a:p>
           <a:p>
@@ -4513,7 +4630,7 @@
                 <a:spcPct val="0"/>
               </a:spcBef>
             </a:pPr>
-            <a:endParaRPr lang="en-US" sz="3324" spc="325">
+            <a:endParaRPr lang="en-US" sz="3324" spc="325" dirty="0">
               <a:solidFill>
                 <a:srgbClr val="231F20"/>
               </a:solidFill>
@@ -5084,13 +5201,148 @@
               </a:lnSpc>
             </a:pPr>
             <a:r>
-              <a:rPr lang="en-US" sz="3724" spc="364">
+              <a:rPr lang="en-US" sz="3724" spc="364" dirty="0" err="1">
                 <a:solidFill>
                   <a:srgbClr val="231F20"/>
                 </a:solidFill>
                 <a:latin typeface="DM Sans"/>
               </a:rPr>
-              <a:t>Biết các thao tác git cơ bản trên VScode</a:t>
+              <a:t>Biết</a:t>
+            </a:r>
+            <a:r>
+              <a:rPr lang="en-US" sz="3724" spc="364" dirty="0">
+                <a:solidFill>
+                  <a:srgbClr val="231F20"/>
+                </a:solidFill>
+                <a:latin typeface="DM Sans"/>
+              </a:rPr>
+              <a:t> </a:t>
+            </a:r>
+            <a:r>
+              <a:rPr lang="en-US" sz="3724" spc="364" dirty="0" err="1">
+                <a:solidFill>
+                  <a:srgbClr val="231F20"/>
+                </a:solidFill>
+                <a:latin typeface="DM Sans"/>
+              </a:rPr>
+              <a:t>các</a:t>
+            </a:r>
+            <a:r>
+              <a:rPr lang="en-US" sz="3724" spc="364" dirty="0">
+                <a:solidFill>
+                  <a:srgbClr val="231F20"/>
+                </a:solidFill>
+                <a:latin typeface="DM Sans"/>
+              </a:rPr>
+              <a:t> </a:t>
+            </a:r>
+            <a:r>
+              <a:rPr lang="en-US" sz="3724" spc="364" dirty="0" err="1">
+                <a:solidFill>
+                  <a:srgbClr val="231F20"/>
+                </a:solidFill>
+                <a:latin typeface="DM Sans"/>
+              </a:rPr>
+              <a:t>thao</a:t>
+            </a:r>
+            <a:r>
+              <a:rPr lang="en-US" sz="3724" spc="364" dirty="0">
+                <a:solidFill>
+                  <a:srgbClr val="231F20"/>
+                </a:solidFill>
+                <a:latin typeface="DM Sans"/>
+              </a:rPr>
+              <a:t> </a:t>
+            </a:r>
+            <a:r>
+              <a:rPr lang="en-US" sz="3724" spc="364" dirty="0" err="1">
+                <a:solidFill>
+                  <a:srgbClr val="231F20"/>
+                </a:solidFill>
+                <a:latin typeface="DM Sans"/>
+              </a:rPr>
+              <a:t>tác</a:t>
+            </a:r>
+            <a:r>
+              <a:rPr lang="en-US" sz="3724" spc="364" dirty="0">
+                <a:solidFill>
+                  <a:srgbClr val="231F20"/>
+                </a:solidFill>
+                <a:latin typeface="DM Sans"/>
+              </a:rPr>
+              <a:t> git </a:t>
+            </a:r>
+            <a:r>
+              <a:rPr lang="en-US" sz="3724" spc="364" dirty="0" err="1">
+                <a:solidFill>
+                  <a:srgbClr val="231F20"/>
+                </a:solidFill>
+                <a:latin typeface="DM Sans"/>
+              </a:rPr>
+              <a:t>cơ</a:t>
+            </a:r>
+            <a:r>
+              <a:rPr lang="en-US" sz="3724" spc="364" dirty="0">
+                <a:solidFill>
+                  <a:srgbClr val="231F20"/>
+                </a:solidFill>
+                <a:latin typeface="DM Sans"/>
+              </a:rPr>
+              <a:t> </a:t>
+            </a:r>
+            <a:r>
+              <a:rPr lang="en-US" sz="3724" spc="364" dirty="0" err="1">
+                <a:solidFill>
+                  <a:srgbClr val="231F20"/>
+                </a:solidFill>
+                <a:latin typeface="DM Sans"/>
+              </a:rPr>
+              <a:t>bản</a:t>
+            </a:r>
+            <a:r>
+              <a:rPr lang="en-US" sz="3724" spc="364" dirty="0">
+                <a:solidFill>
+                  <a:srgbClr val="231F20"/>
+                </a:solidFill>
+                <a:latin typeface="DM Sans"/>
+              </a:rPr>
+              <a:t> </a:t>
+            </a:r>
+            <a:r>
+              <a:rPr lang="en-US" sz="3724" spc="364" dirty="0" err="1">
+                <a:solidFill>
+                  <a:srgbClr val="231F20"/>
+                </a:solidFill>
+                <a:latin typeface="DM Sans"/>
+              </a:rPr>
+              <a:t>trên</a:t>
+            </a:r>
+            <a:r>
+              <a:rPr lang="en-US" sz="3724" spc="364" dirty="0">
+                <a:solidFill>
+                  <a:srgbClr val="231F20"/>
+                </a:solidFill>
+                <a:latin typeface="DM Sans"/>
+              </a:rPr>
+              <a:t> </a:t>
+            </a:r>
+            <a:r>
+              <a:rPr lang="en-US" sz="3724" spc="364" dirty="0" err="1">
+                <a:solidFill>
+                  <a:srgbClr val="231F20"/>
+                </a:solidFill>
+                <a:latin typeface="DM Sans"/>
+              </a:rPr>
+              <a:t>Vscode</a:t>
+            </a:r>
+            <a:r>
+              <a:rPr lang="en-US" sz="3724" spc="364" dirty="0">
+                <a:solidFill>
+                  <a:srgbClr val="231F20"/>
+                </a:solidFill>
+                <a:latin typeface="DM Sans"/>
+              </a:rPr>
+              <a:t>, SourceTree</a:t>
             </a:r>
           </a:p>
         </p:txBody>

--- a/baitap/Intern Report.pptx
+++ b/baitap/Intern Report.pptx
@@ -334,7 +334,7 @@
             <a:fld id="{1D8BD707-D9CF-40AE-B4C6-C98DA3205C09}" type="datetimeFigureOut">
               <a:rPr lang="en-US" smtClean="0"/>
               <a:pPr/>
-              <a:t>7/5/2023</a:t>
+              <a:t>7/9/2023</a:t>
             </a:fld>
             <a:endParaRPr lang="en-US"/>
           </a:p>
@@ -499,7 +499,7 @@
             <a:fld id="{1D8BD707-D9CF-40AE-B4C6-C98DA3205C09}" type="datetimeFigureOut">
               <a:rPr lang="en-US" smtClean="0"/>
               <a:pPr/>
-              <a:t>7/5/2023</a:t>
+              <a:t>7/9/2023</a:t>
             </a:fld>
             <a:endParaRPr lang="en-US"/>
           </a:p>
@@ -674,7 +674,7 @@
             <a:fld id="{1D8BD707-D9CF-40AE-B4C6-C98DA3205C09}" type="datetimeFigureOut">
               <a:rPr lang="en-US" smtClean="0"/>
               <a:pPr/>
-              <a:t>7/5/2023</a:t>
+              <a:t>7/9/2023</a:t>
             </a:fld>
             <a:endParaRPr lang="en-US"/>
           </a:p>
@@ -839,7 +839,7 @@
             <a:fld id="{1D8BD707-D9CF-40AE-B4C6-C98DA3205C09}" type="datetimeFigureOut">
               <a:rPr lang="en-US" smtClean="0"/>
               <a:pPr/>
-              <a:t>7/5/2023</a:t>
+              <a:t>7/9/2023</a:t>
             </a:fld>
             <a:endParaRPr lang="en-US"/>
           </a:p>
@@ -1081,7 +1081,7 @@
             <a:fld id="{1D8BD707-D9CF-40AE-B4C6-C98DA3205C09}" type="datetimeFigureOut">
               <a:rPr lang="en-US" smtClean="0"/>
               <a:pPr/>
-              <a:t>7/5/2023</a:t>
+              <a:t>7/9/2023</a:t>
             </a:fld>
             <a:endParaRPr lang="en-US"/>
           </a:p>
@@ -1363,7 +1363,7 @@
             <a:fld id="{1D8BD707-D9CF-40AE-B4C6-C98DA3205C09}" type="datetimeFigureOut">
               <a:rPr lang="en-US" smtClean="0"/>
               <a:pPr/>
-              <a:t>7/5/2023</a:t>
+              <a:t>7/9/2023</a:t>
             </a:fld>
             <a:endParaRPr lang="en-US"/>
           </a:p>
@@ -1779,7 +1779,7 @@
             <a:fld id="{1D8BD707-D9CF-40AE-B4C6-C98DA3205C09}" type="datetimeFigureOut">
               <a:rPr lang="en-US" smtClean="0"/>
               <a:pPr/>
-              <a:t>7/5/2023</a:t>
+              <a:t>7/9/2023</a:t>
             </a:fld>
             <a:endParaRPr lang="en-US"/>
           </a:p>
@@ -1893,7 +1893,7 @@
             <a:fld id="{1D8BD707-D9CF-40AE-B4C6-C98DA3205C09}" type="datetimeFigureOut">
               <a:rPr lang="en-US" smtClean="0"/>
               <a:pPr/>
-              <a:t>7/5/2023</a:t>
+              <a:t>7/9/2023</a:t>
             </a:fld>
             <a:endParaRPr lang="en-US"/>
           </a:p>
@@ -1985,7 +1985,7 @@
             <a:fld id="{1D8BD707-D9CF-40AE-B4C6-C98DA3205C09}" type="datetimeFigureOut">
               <a:rPr lang="en-US" smtClean="0"/>
               <a:pPr/>
-              <a:t>7/5/2023</a:t>
+              <a:t>7/9/2023</a:t>
             </a:fld>
             <a:endParaRPr lang="en-US"/>
           </a:p>
@@ -2257,7 +2257,7 @@
             <a:fld id="{1D8BD707-D9CF-40AE-B4C6-C98DA3205C09}" type="datetimeFigureOut">
               <a:rPr lang="en-US" smtClean="0"/>
               <a:pPr/>
-              <a:t>7/5/2023</a:t>
+              <a:t>7/9/2023</a:t>
             </a:fld>
             <a:endParaRPr lang="en-US"/>
           </a:p>
@@ -2506,7 +2506,7 @@
             <a:fld id="{1D8BD707-D9CF-40AE-B4C6-C98DA3205C09}" type="datetimeFigureOut">
               <a:rPr lang="en-US" smtClean="0"/>
               <a:pPr/>
-              <a:t>7/5/2023</a:t>
+              <a:t>7/9/2023</a:t>
             </a:fld>
             <a:endParaRPr lang="en-US"/>
           </a:p>
@@ -2714,7 +2714,7 @@
             <a:fld id="{1D8BD707-D9CF-40AE-B4C6-C98DA3205C09}" type="datetimeFigureOut">
               <a:rPr lang="en-US" smtClean="0"/>
               <a:pPr/>
-              <a:t>7/5/2023</a:t>
+              <a:t>7/9/2023</a:t>
             </a:fld>
             <a:endParaRPr lang="en-US"/>
           </a:p>
@@ -3369,7 +3369,7 @@
               </a:lnSpc>
             </a:pPr>
             <a:r>
-              <a:rPr lang="en-US" sz="2653" b="1" spc="140" dirty="0">
+              <a:rPr lang="en-US" sz="2653" b="1" spc="140">
                 <a:solidFill>
                   <a:srgbClr val="231F20"/>
                 </a:solidFill>
@@ -4390,7 +4390,7 @@
               </a:lnSpc>
             </a:pPr>
             <a:r>
-              <a:rPr lang="en-US" sz="3324" spc="325" dirty="0" err="1">
+              <a:rPr lang="en-US" sz="3324" spc="325" err="1">
                 <a:solidFill>
                   <a:srgbClr val="231F20"/>
                 </a:solidFill>
@@ -4399,7 +4399,7 @@
               <a:t>Sử</a:t>
             </a:r>
             <a:r>
-              <a:rPr lang="en-US" sz="3324" spc="325" dirty="0">
+              <a:rPr lang="en-US" sz="3324" spc="325">
                 <a:solidFill>
                   <a:srgbClr val="231F20"/>
                 </a:solidFill>
@@ -4408,7 +4408,7 @@
               <a:t> </a:t>
             </a:r>
             <a:r>
-              <a:rPr lang="en-US" sz="3324" spc="325" dirty="0" err="1">
+              <a:rPr lang="en-US" sz="3324" spc="325" err="1">
                 <a:solidFill>
                   <a:srgbClr val="231F20"/>
                 </a:solidFill>
@@ -4417,7 +4417,7 @@
               <a:t>dụng</a:t>
             </a:r>
             <a:r>
-              <a:rPr lang="en-US" sz="3324" spc="325" dirty="0">
+              <a:rPr lang="en-US" sz="3324" spc="325">
                 <a:solidFill>
                   <a:srgbClr val="231F20"/>
                 </a:solidFill>
@@ -4426,7 +4426,7 @@
               <a:t> </a:t>
             </a:r>
             <a:r>
-              <a:rPr lang="en-US" sz="3324" spc="325" dirty="0" err="1">
+              <a:rPr lang="en-US" sz="3324" spc="325" err="1">
                 <a:solidFill>
                   <a:srgbClr val="231F20"/>
                 </a:solidFill>
@@ -4435,7 +4435,7 @@
               <a:t>Devtools</a:t>
             </a:r>
             <a:r>
-              <a:rPr lang="en-US" sz="3324" spc="325" dirty="0">
+              <a:rPr lang="en-US" sz="3324" spc="325">
                 <a:solidFill>
                   <a:srgbClr val="231F20"/>
                 </a:solidFill>
@@ -4444,7 +4444,7 @@
               <a:t> </a:t>
             </a:r>
             <a:r>
-              <a:rPr lang="en-US" sz="3324" spc="325" dirty="0" err="1">
+              <a:rPr lang="en-US" sz="3324" spc="325" err="1">
                 <a:solidFill>
                   <a:srgbClr val="231F20"/>
                 </a:solidFill>
@@ -4453,7 +4453,7 @@
               <a:t>để</a:t>
             </a:r>
             <a:r>
-              <a:rPr lang="en-US" sz="3324" spc="325" dirty="0">
+              <a:rPr lang="en-US" sz="3324" spc="325">
                 <a:solidFill>
                   <a:srgbClr val="231F20"/>
                 </a:solidFill>
@@ -4468,7 +4468,7 @@
                 <a:spcPts val="4587"/>
               </a:lnSpc>
             </a:pPr>
-            <a:endParaRPr lang="en-US" sz="3324" spc="325" dirty="0">
+            <a:endParaRPr lang="en-US" sz="3324" spc="325">
               <a:solidFill>
                 <a:srgbClr val="231F20"/>
               </a:solidFill>
@@ -4504,7 +4504,7 @@
               </a:lnSpc>
             </a:pPr>
             <a:r>
-              <a:rPr lang="en-US" sz="3324" spc="325" dirty="0" err="1">
+              <a:rPr lang="en-US" sz="3324" spc="325" err="1">
                 <a:solidFill>
                   <a:srgbClr val="231F20"/>
                 </a:solidFill>
@@ -4513,7 +4513,7 @@
               <a:t>Biết</a:t>
             </a:r>
             <a:r>
-              <a:rPr lang="en-US" sz="3324" spc="325" dirty="0">
+              <a:rPr lang="en-US" sz="3324" spc="325">
                 <a:solidFill>
                   <a:srgbClr val="231F20"/>
                 </a:solidFill>
@@ -4522,7 +4522,7 @@
               <a:t> </a:t>
             </a:r>
             <a:r>
-              <a:rPr lang="en-US" sz="3324" spc="325" dirty="0" err="1">
+              <a:rPr lang="en-US" sz="3324" spc="325" err="1">
                 <a:solidFill>
                   <a:srgbClr val="231F20"/>
                 </a:solidFill>
@@ -4531,7 +4531,7 @@
               <a:t>cách</a:t>
             </a:r>
             <a:r>
-              <a:rPr lang="en-US" sz="3324" spc="325" dirty="0">
+              <a:rPr lang="en-US" sz="3324" spc="325">
                 <a:solidFill>
                   <a:srgbClr val="231F20"/>
                 </a:solidFill>
@@ -4549,7 +4549,7 @@
                 <a:spcPct val="0"/>
               </a:spcBef>
             </a:pPr>
-            <a:endParaRPr lang="en-US" sz="3324" spc="325" dirty="0">
+            <a:endParaRPr lang="en-US" sz="3324" spc="325">
               <a:solidFill>
                 <a:srgbClr val="231F20"/>
               </a:solidFill>
@@ -4585,7 +4585,7 @@
               </a:lnSpc>
             </a:pPr>
             <a:r>
-              <a:rPr lang="en-US" sz="3324" spc="325" dirty="0" err="1">
+              <a:rPr lang="en-US" sz="3324" spc="325" err="1">
                 <a:solidFill>
                   <a:srgbClr val="231F20"/>
                 </a:solidFill>
@@ -4594,7 +4594,7 @@
               <a:t>Biết</a:t>
             </a:r>
             <a:r>
-              <a:rPr lang="en-US" sz="3324" spc="325" dirty="0">
+              <a:rPr lang="en-US" sz="3324" spc="325">
                 <a:solidFill>
                   <a:srgbClr val="231F20"/>
                 </a:solidFill>
@@ -4603,7 +4603,7 @@
               <a:t> </a:t>
             </a:r>
             <a:r>
-              <a:rPr lang="en-US" sz="3324" spc="325" dirty="0" err="1">
+              <a:rPr lang="en-US" sz="3324" spc="325" err="1">
                 <a:solidFill>
                   <a:srgbClr val="231F20"/>
                 </a:solidFill>
@@ -4612,7 +4612,7 @@
               <a:t>cách</a:t>
             </a:r>
             <a:r>
-              <a:rPr lang="en-US" sz="3324" spc="325" dirty="0">
+              <a:rPr lang="en-US" sz="3324" spc="325">
                 <a:solidFill>
                   <a:srgbClr val="231F20"/>
                 </a:solidFill>
@@ -4630,12 +4630,164 @@
                 <a:spcPct val="0"/>
               </a:spcBef>
             </a:pPr>
-            <a:endParaRPr lang="en-US" sz="3324" spc="325" dirty="0">
+            <a:endParaRPr lang="en-US" sz="3324" spc="325">
               <a:solidFill>
                 <a:srgbClr val="231F20"/>
               </a:solidFill>
               <a:latin typeface="DM Sans"/>
             </a:endParaRPr>
+          </a:p>
+        </p:txBody>
+      </p:sp>
+      <p:sp>
+        <p:nvSpPr>
+          <p:cNvPr id="10" name="TextBox 9">
+            <a:extLst>
+              <a:ext uri="{FF2B5EF4-FFF2-40B4-BE49-F238E27FC236}">
+                <a16:creationId xmlns:a16="http://schemas.microsoft.com/office/drawing/2014/main" id="{87EB2F04-EDB9-0ACA-C98E-EC62E912631F}"/>
+              </a:ext>
+            </a:extLst>
+          </p:cNvPr>
+          <p:cNvSpPr txBox="1"/>
+          <p:nvPr/>
+        </p:nvSpPr>
+        <p:spPr>
+          <a:xfrm>
+            <a:off x="4525532" y="7336945"/>
+            <a:ext cx="14240656" cy="650947"/>
+          </a:xfrm>
+          <a:prstGeom prst="rect">
+            <a:avLst/>
+          </a:prstGeom>
+          <a:noFill/>
+        </p:spPr>
+        <p:txBody>
+          <a:bodyPr wrap="square">
+            <a:spAutoFit/>
+          </a:bodyPr>
+          <a:lstStyle/>
+          <a:p>
+            <a:pPr>
+              <a:lnSpc>
+                <a:spcPts val="4587"/>
+              </a:lnSpc>
+            </a:pPr>
+            <a:r>
+              <a:rPr lang="en-US" sz="3324" spc="325" err="1">
+                <a:solidFill>
+                  <a:srgbClr val="231F20"/>
+                </a:solidFill>
+                <a:latin typeface="DM Sans"/>
+              </a:rPr>
+              <a:t>Áp</a:t>
+            </a:r>
+            <a:r>
+              <a:rPr lang="en-US" sz="3324" spc="325">
+                <a:solidFill>
+                  <a:srgbClr val="231F20"/>
+                </a:solidFill>
+                <a:latin typeface="DM Sans"/>
+              </a:rPr>
+              <a:t> </a:t>
+            </a:r>
+            <a:r>
+              <a:rPr lang="en-US" sz="3324" spc="325" err="1">
+                <a:solidFill>
+                  <a:srgbClr val="231F20"/>
+                </a:solidFill>
+                <a:latin typeface="DM Sans"/>
+              </a:rPr>
+              <a:t>dụng</a:t>
+            </a:r>
+            <a:r>
+              <a:rPr lang="en-US" sz="3324" spc="325">
+                <a:solidFill>
+                  <a:srgbClr val="231F20"/>
+                </a:solidFill>
+                <a:latin typeface="DM Sans"/>
+              </a:rPr>
+              <a:t> </a:t>
+            </a:r>
+            <a:r>
+              <a:rPr lang="en-US" sz="3324" spc="325" err="1">
+                <a:solidFill>
+                  <a:srgbClr val="231F20"/>
+                </a:solidFill>
+                <a:latin typeface="DM Sans"/>
+              </a:rPr>
+              <a:t>được</a:t>
+            </a:r>
+            <a:r>
+              <a:rPr lang="en-US" sz="3324" spc="325">
+                <a:solidFill>
+                  <a:srgbClr val="231F20"/>
+                </a:solidFill>
+                <a:latin typeface="DM Sans"/>
+              </a:rPr>
+              <a:t> ADA, Social share</a:t>
+            </a:r>
+          </a:p>
+        </p:txBody>
+      </p:sp>
+      <p:sp>
+        <p:nvSpPr>
+          <p:cNvPr id="12" name="TextBox 6">
+            <a:extLst>
+              <a:ext uri="{FF2B5EF4-FFF2-40B4-BE49-F238E27FC236}">
+                <a16:creationId xmlns:a16="http://schemas.microsoft.com/office/drawing/2014/main" id="{436C591D-284A-9134-7C9E-9E9259C32833}"/>
+              </a:ext>
+            </a:extLst>
+          </p:cNvPr>
+          <p:cNvSpPr txBox="1"/>
+          <p:nvPr/>
+        </p:nvSpPr>
+        <p:spPr>
+          <a:xfrm>
+            <a:off x="4648200" y="8178011"/>
+            <a:ext cx="11557902" cy="626967"/>
+          </a:xfrm>
+          <a:prstGeom prst="rect">
+            <a:avLst/>
+          </a:prstGeom>
+        </p:spPr>
+        <p:txBody>
+          <a:bodyPr wrap="square" lIns="0" tIns="0" rIns="0" bIns="0" rtlCol="0" anchor="t">
+            <a:spAutoFit/>
+          </a:bodyPr>
+          <a:lstStyle/>
+          <a:p>
+            <a:pPr>
+              <a:lnSpc>
+                <a:spcPts val="5139"/>
+              </a:lnSpc>
+            </a:pPr>
+            <a:r>
+              <a:rPr lang="en-US" sz="3724" spc="364">
+                <a:solidFill>
+                  <a:srgbClr val="231F20"/>
+                </a:solidFill>
+                <a:latin typeface="DM Sans"/>
+              </a:rPr>
+              <a:t>Improve </a:t>
+            </a:r>
+            <a:r>
+              <a:rPr lang="en-US" sz="3724" spc="364" err="1">
+                <a:solidFill>
+                  <a:srgbClr val="231F20"/>
+                </a:solidFill>
+                <a:latin typeface="DM Sans"/>
+              </a:rPr>
+              <a:t>Seo</a:t>
+            </a:r>
+            <a:r>
+              <a:rPr lang="en-US" sz="3724" spc="364">
+                <a:solidFill>
+                  <a:srgbClr val="231F20"/>
+                </a:solidFill>
+                <a:latin typeface="DM Sans"/>
+              </a:rPr>
+              <a:t>, improve performance website</a:t>
+            </a:r>
           </a:p>
         </p:txBody>
       </p:sp>
@@ -5201,7 +5353,7 @@
               </a:lnSpc>
             </a:pPr>
             <a:r>
-              <a:rPr lang="en-US" sz="3724" spc="364" dirty="0" err="1">
+              <a:rPr lang="en-US" sz="3724" spc="364" err="1">
                 <a:solidFill>
                   <a:srgbClr val="231F20"/>
                 </a:solidFill>
@@ -5210,7 +5362,7 @@
               <a:t>Biết</a:t>
             </a:r>
             <a:r>
-              <a:rPr lang="en-US" sz="3724" spc="364" dirty="0">
+              <a:rPr lang="en-US" sz="3724" spc="364">
                 <a:solidFill>
                   <a:srgbClr val="231F20"/>
                 </a:solidFill>
@@ -5219,7 +5371,7 @@
               <a:t> </a:t>
             </a:r>
             <a:r>
-              <a:rPr lang="en-US" sz="3724" spc="364" dirty="0" err="1">
+              <a:rPr lang="en-US" sz="3724" spc="364" err="1">
                 <a:solidFill>
                   <a:srgbClr val="231F20"/>
                 </a:solidFill>
@@ -5228,7 +5380,7 @@
               <a:t>các</a:t>
             </a:r>
             <a:r>
-              <a:rPr lang="en-US" sz="3724" spc="364" dirty="0">
+              <a:rPr lang="en-US" sz="3724" spc="364">
                 <a:solidFill>
                   <a:srgbClr val="231F20"/>
                 </a:solidFill>
@@ -5237,7 +5389,7 @@
               <a:t> </a:t>
             </a:r>
             <a:r>
-              <a:rPr lang="en-US" sz="3724" spc="364" dirty="0" err="1">
+              <a:rPr lang="en-US" sz="3724" spc="364" err="1">
                 <a:solidFill>
                   <a:srgbClr val="231F20"/>
                 </a:solidFill>
@@ -5246,7 +5398,7 @@
               <a:t>thao</a:t>
             </a:r>
             <a:r>
-              <a:rPr lang="en-US" sz="3724" spc="364" dirty="0">
+              <a:rPr lang="en-US" sz="3724" spc="364">
                 <a:solidFill>
                   <a:srgbClr val="231F20"/>
                 </a:solidFill>
@@ -5255,7 +5407,7 @@
               <a:t> </a:t>
             </a:r>
             <a:r>
-              <a:rPr lang="en-US" sz="3724" spc="364" dirty="0" err="1">
+              <a:rPr lang="en-US" sz="3724" spc="364" err="1">
                 <a:solidFill>
                   <a:srgbClr val="231F20"/>
                 </a:solidFill>
@@ -5264,7 +5416,7 @@
               <a:t>tác</a:t>
             </a:r>
             <a:r>
-              <a:rPr lang="en-US" sz="3724" spc="364" dirty="0">
+              <a:rPr lang="en-US" sz="3724" spc="364">
                 <a:solidFill>
                   <a:srgbClr val="231F20"/>
                 </a:solidFill>
@@ -5273,7 +5425,7 @@
               <a:t> git </a:t>
             </a:r>
             <a:r>
-              <a:rPr lang="en-US" sz="3724" spc="364" dirty="0" err="1">
+              <a:rPr lang="en-US" sz="3724" spc="364" err="1">
                 <a:solidFill>
                   <a:srgbClr val="231F20"/>
                 </a:solidFill>
@@ -5282,7 +5434,7 @@
               <a:t>cơ</a:t>
             </a:r>
             <a:r>
-              <a:rPr lang="en-US" sz="3724" spc="364" dirty="0">
+              <a:rPr lang="en-US" sz="3724" spc="364">
                 <a:solidFill>
                   <a:srgbClr val="231F20"/>
                 </a:solidFill>
@@ -5291,7 +5443,7 @@
               <a:t> </a:t>
             </a:r>
             <a:r>
-              <a:rPr lang="en-US" sz="3724" spc="364" dirty="0" err="1">
+              <a:rPr lang="en-US" sz="3724" spc="364" err="1">
                 <a:solidFill>
                   <a:srgbClr val="231F20"/>
                 </a:solidFill>
@@ -5300,7 +5452,7 @@
               <a:t>bản</a:t>
             </a:r>
             <a:r>
-              <a:rPr lang="en-US" sz="3724" spc="364" dirty="0">
+              <a:rPr lang="en-US" sz="3724" spc="364">
                 <a:solidFill>
                   <a:srgbClr val="231F20"/>
                 </a:solidFill>
@@ -5309,7 +5461,7 @@
               <a:t> </a:t>
             </a:r>
             <a:r>
-              <a:rPr lang="en-US" sz="3724" spc="364" dirty="0" err="1">
+              <a:rPr lang="en-US" sz="3724" spc="364" err="1">
                 <a:solidFill>
                   <a:srgbClr val="231F20"/>
                 </a:solidFill>
@@ -5318,7 +5470,7 @@
               <a:t>trên</a:t>
             </a:r>
             <a:r>
-              <a:rPr lang="en-US" sz="3724" spc="364" dirty="0">
+              <a:rPr lang="en-US" sz="3724" spc="364">
                 <a:solidFill>
                   <a:srgbClr val="231F20"/>
                 </a:solidFill>
@@ -5327,7 +5479,7 @@
               <a:t> </a:t>
             </a:r>
             <a:r>
-              <a:rPr lang="en-US" sz="3724" spc="364" dirty="0" err="1">
+              <a:rPr lang="en-US" sz="3724" spc="364" err="1">
                 <a:solidFill>
                   <a:srgbClr val="231F20"/>
                 </a:solidFill>
@@ -5336,7 +5488,7 @@
               <a:t>Vscode</a:t>
             </a:r>
             <a:r>
-              <a:rPr lang="en-US" sz="3724" spc="364" dirty="0">
+              <a:rPr lang="en-US" sz="3724" spc="364">
                 <a:solidFill>
                   <a:srgbClr val="231F20"/>
                 </a:solidFill>
@@ -5587,43 +5739,32 @@
               </a:lnSpc>
             </a:pPr>
             <a:r>
+              <a:rPr lang="en-US" sz="3724" spc="364" err="1">
+                <a:solidFill>
+                  <a:srgbClr val="231F20"/>
+                </a:solidFill>
+                <a:latin typeface="DM Sans"/>
+              </a:rPr>
+              <a:t>Chưa</a:t>
+            </a:r>
+            <a:r>
               <a:rPr lang="en-US" sz="3724" spc="364">
                 <a:solidFill>
                   <a:srgbClr val="231F20"/>
                 </a:solidFill>
                 <a:latin typeface="DM Sans"/>
               </a:rPr>
-              <a:t>Chưa áp dụng được ADA, Print, Social share</a:t>
-            </a:r>
-          </a:p>
-        </p:txBody>
-      </p:sp>
-      <p:sp>
-        <p:nvSpPr>
-          <p:cNvPr id="5" name="TextBox 5"/>
-          <p:cNvSpPr txBox="1"/>
-          <p:nvPr/>
-        </p:nvSpPr>
-        <p:spPr>
-          <a:xfrm>
-            <a:off x="4578641" y="4755793"/>
-            <a:ext cx="10081607" cy="629242"/>
-          </a:xfrm>
-          <a:prstGeom prst="rect">
-            <a:avLst/>
-          </a:prstGeom>
-        </p:spPr>
-        <p:txBody>
-          <a:bodyPr lIns="0" tIns="0" rIns="0" bIns="0" rtlCol="0" anchor="t">
-            <a:spAutoFit/>
-          </a:bodyPr>
-          <a:lstStyle/>
-          <a:p>
-            <a:pPr>
-              <a:lnSpc>
-                <a:spcPts val="5139"/>
-              </a:lnSpc>
-            </a:pPr>
+              <a:t> </a:t>
+            </a:r>
+            <a:r>
+              <a:rPr lang="en-US" sz="3724" spc="364" err="1">
+                <a:solidFill>
+                  <a:srgbClr val="231F20"/>
+                </a:solidFill>
+                <a:latin typeface="DM Sans"/>
+              </a:rPr>
+              <a:t>áp</a:t>
+            </a:r>
             <a:r>
               <a:rPr lang="en-US" sz="3724" spc="364">
                 <a:solidFill>
@@ -5631,37 +5772,17 @@
                 </a:solidFill>
                 <a:latin typeface="DM Sans"/>
               </a:rPr>
-              <a:t>Chưa improve performance website</a:t>
-            </a:r>
-          </a:p>
-        </p:txBody>
-      </p:sp>
-      <p:sp>
-        <p:nvSpPr>
-          <p:cNvPr id="6" name="TextBox 6"/>
-          <p:cNvSpPr txBox="1"/>
-          <p:nvPr/>
-        </p:nvSpPr>
-        <p:spPr>
-          <a:xfrm>
-            <a:off x="4578641" y="3802701"/>
-            <a:ext cx="7971692" cy="629242"/>
-          </a:xfrm>
-          <a:prstGeom prst="rect">
-            <a:avLst/>
-          </a:prstGeom>
-        </p:spPr>
-        <p:txBody>
-          <a:bodyPr lIns="0" tIns="0" rIns="0" bIns="0" rtlCol="0" anchor="t">
-            <a:spAutoFit/>
-          </a:bodyPr>
-          <a:lstStyle/>
-          <a:p>
-            <a:pPr>
-              <a:lnSpc>
-                <a:spcPts val="5139"/>
-              </a:lnSpc>
-            </a:pPr>
+              <a:t> </a:t>
+            </a:r>
+            <a:r>
+              <a:rPr lang="en-US" sz="3724" spc="364" err="1">
+                <a:solidFill>
+                  <a:srgbClr val="231F20"/>
+                </a:solidFill>
+                <a:latin typeface="DM Sans"/>
+              </a:rPr>
+              <a:t>dụng</a:t>
+            </a:r>
             <a:r>
               <a:rPr lang="en-US" sz="3724" spc="364">
                 <a:solidFill>
@@ -5669,7 +5790,25 @@
                 </a:solidFill>
                 <a:latin typeface="DM Sans"/>
               </a:rPr>
-              <a:t>Chưa improve Seo</a:t>
+              <a:t> </a:t>
+            </a:r>
+            <a:r>
+              <a:rPr lang="en-US" sz="3724" spc="364" err="1">
+                <a:solidFill>
+                  <a:srgbClr val="231F20"/>
+                </a:solidFill>
+                <a:latin typeface="DM Sans"/>
+              </a:rPr>
+              <a:t>được</a:t>
+            </a:r>
+            <a:r>
+              <a:rPr lang="en-US" sz="3724" spc="364">
+                <a:solidFill>
+                  <a:srgbClr val="231F20"/>
+                </a:solidFill>
+                <a:latin typeface="DM Sans"/>
+              </a:rPr>
+              <a:t> Print</a:t>
             </a:r>
           </a:p>
         </p:txBody>

--- a/baitap/Intern Report.pptx
+++ b/baitap/Intern Report.pptx
@@ -334,7 +334,7 @@
             <a:fld id="{1D8BD707-D9CF-40AE-B4C6-C98DA3205C09}" type="datetimeFigureOut">
               <a:rPr lang="en-US" smtClean="0"/>
               <a:pPr/>
-              <a:t>7/9/2023</a:t>
+              <a:t>7/11/2023</a:t>
             </a:fld>
             <a:endParaRPr lang="en-US"/>
           </a:p>
@@ -499,7 +499,7 @@
             <a:fld id="{1D8BD707-D9CF-40AE-B4C6-C98DA3205C09}" type="datetimeFigureOut">
               <a:rPr lang="en-US" smtClean="0"/>
               <a:pPr/>
-              <a:t>7/9/2023</a:t>
+              <a:t>7/11/2023</a:t>
             </a:fld>
             <a:endParaRPr lang="en-US"/>
           </a:p>
@@ -674,7 +674,7 @@
             <a:fld id="{1D8BD707-D9CF-40AE-B4C6-C98DA3205C09}" type="datetimeFigureOut">
               <a:rPr lang="en-US" smtClean="0"/>
               <a:pPr/>
-              <a:t>7/9/2023</a:t>
+              <a:t>7/11/2023</a:t>
             </a:fld>
             <a:endParaRPr lang="en-US"/>
           </a:p>
@@ -839,7 +839,7 @@
             <a:fld id="{1D8BD707-D9CF-40AE-B4C6-C98DA3205C09}" type="datetimeFigureOut">
               <a:rPr lang="en-US" smtClean="0"/>
               <a:pPr/>
-              <a:t>7/9/2023</a:t>
+              <a:t>7/11/2023</a:t>
             </a:fld>
             <a:endParaRPr lang="en-US"/>
           </a:p>
@@ -1081,7 +1081,7 @@
             <a:fld id="{1D8BD707-D9CF-40AE-B4C6-C98DA3205C09}" type="datetimeFigureOut">
               <a:rPr lang="en-US" smtClean="0"/>
               <a:pPr/>
-              <a:t>7/9/2023</a:t>
+              <a:t>7/11/2023</a:t>
             </a:fld>
             <a:endParaRPr lang="en-US"/>
           </a:p>
@@ -1363,7 +1363,7 @@
             <a:fld id="{1D8BD707-D9CF-40AE-B4C6-C98DA3205C09}" type="datetimeFigureOut">
               <a:rPr lang="en-US" smtClean="0"/>
               <a:pPr/>
-              <a:t>7/9/2023</a:t>
+              <a:t>7/11/2023</a:t>
             </a:fld>
             <a:endParaRPr lang="en-US"/>
           </a:p>
@@ -1779,7 +1779,7 @@
             <a:fld id="{1D8BD707-D9CF-40AE-B4C6-C98DA3205C09}" type="datetimeFigureOut">
               <a:rPr lang="en-US" smtClean="0"/>
               <a:pPr/>
-              <a:t>7/9/2023</a:t>
+              <a:t>7/11/2023</a:t>
             </a:fld>
             <a:endParaRPr lang="en-US"/>
           </a:p>
@@ -1893,7 +1893,7 @@
             <a:fld id="{1D8BD707-D9CF-40AE-B4C6-C98DA3205C09}" type="datetimeFigureOut">
               <a:rPr lang="en-US" smtClean="0"/>
               <a:pPr/>
-              <a:t>7/9/2023</a:t>
+              <a:t>7/11/2023</a:t>
             </a:fld>
             <a:endParaRPr lang="en-US"/>
           </a:p>
@@ -1985,7 +1985,7 @@
             <a:fld id="{1D8BD707-D9CF-40AE-B4C6-C98DA3205C09}" type="datetimeFigureOut">
               <a:rPr lang="en-US" smtClean="0"/>
               <a:pPr/>
-              <a:t>7/9/2023</a:t>
+              <a:t>7/11/2023</a:t>
             </a:fld>
             <a:endParaRPr lang="en-US"/>
           </a:p>
@@ -2257,7 +2257,7 @@
             <a:fld id="{1D8BD707-D9CF-40AE-B4C6-C98DA3205C09}" type="datetimeFigureOut">
               <a:rPr lang="en-US" smtClean="0"/>
               <a:pPr/>
-              <a:t>7/9/2023</a:t>
+              <a:t>7/11/2023</a:t>
             </a:fld>
             <a:endParaRPr lang="en-US"/>
           </a:p>
@@ -2506,7 +2506,7 @@
             <a:fld id="{1D8BD707-D9CF-40AE-B4C6-C98DA3205C09}" type="datetimeFigureOut">
               <a:rPr lang="en-US" smtClean="0"/>
               <a:pPr/>
-              <a:t>7/9/2023</a:t>
+              <a:t>7/11/2023</a:t>
             </a:fld>
             <a:endParaRPr lang="en-US"/>
           </a:p>
@@ -2714,7 +2714,7 @@
             <a:fld id="{1D8BD707-D9CF-40AE-B4C6-C98DA3205C09}" type="datetimeFigureOut">
               <a:rPr lang="en-US" smtClean="0"/>
               <a:pPr/>
-              <a:t>7/9/2023</a:t>
+              <a:t>7/11/2023</a:t>
             </a:fld>
             <a:endParaRPr lang="en-US"/>
           </a:p>
@@ -3118,7 +3118,7 @@
         </p:nvSpPr>
         <p:spPr>
           <a:xfrm rot="7659121">
-            <a:off x="15091031" y="5585714"/>
+            <a:off x="15102061" y="5573703"/>
             <a:ext cx="7629294" cy="7828566"/>
           </a:xfrm>
           <a:custGeom>
@@ -4744,7 +4744,7 @@
         <p:spPr>
           <a:xfrm>
             <a:off x="4648200" y="8178011"/>
-            <a:ext cx="11557902" cy="626967"/>
+            <a:ext cx="11557902" cy="1154162"/>
           </a:xfrm>
           <a:prstGeom prst="rect">
             <a:avLst/>
@@ -4758,35 +4758,17 @@
           <a:p>
             <a:pPr>
               <a:lnSpc>
-                <a:spcPts val="5139"/>
+                <a:spcPts val="4587"/>
               </a:lnSpc>
             </a:pPr>
             <a:r>
-              <a:rPr lang="en-US" sz="3724" spc="364">
+              <a:rPr lang="en-US" sz="3324" spc="325">
                 <a:solidFill>
                   <a:srgbClr val="231F20"/>
                 </a:solidFill>
                 <a:latin typeface="DM Sans"/>
               </a:rPr>
-              <a:t>Improve </a:t>
-            </a:r>
-            <a:r>
-              <a:rPr lang="en-US" sz="3724" spc="364" err="1">
-                <a:solidFill>
-                  <a:srgbClr val="231F20"/>
-                </a:solidFill>
-                <a:latin typeface="DM Sans"/>
-              </a:rPr>
-              <a:t>Seo</a:t>
-            </a:r>
-            <a:r>
-              <a:rPr lang="en-US" sz="3724" spc="364">
-                <a:solidFill>
-                  <a:srgbClr val="231F20"/>
-                </a:solidFill>
-                <a:latin typeface="DM Sans"/>
-              </a:rPr>
-              <a:t>, improve performance website</a:t>
+              <a:t>Improve Seo, improve performance và accessibility cho website</a:t>
             </a:r>
           </a:p>
         </p:txBody>
@@ -5711,107 +5693,6 @@
             </a:stretch>
           </a:blipFill>
         </p:spPr>
-      </p:sp>
-      <p:sp>
-        <p:nvSpPr>
-          <p:cNvPr id="4" name="TextBox 4"/>
-          <p:cNvSpPr txBox="1"/>
-          <p:nvPr/>
-        </p:nvSpPr>
-        <p:spPr>
-          <a:xfrm>
-            <a:off x="4578641" y="2849868"/>
-            <a:ext cx="11769539" cy="629242"/>
-          </a:xfrm>
-          <a:prstGeom prst="rect">
-            <a:avLst/>
-          </a:prstGeom>
-        </p:spPr>
-        <p:txBody>
-          <a:bodyPr lIns="0" tIns="0" rIns="0" bIns="0" rtlCol="0" anchor="t">
-            <a:spAutoFit/>
-          </a:bodyPr>
-          <a:lstStyle/>
-          <a:p>
-            <a:pPr>
-              <a:lnSpc>
-                <a:spcPts val="5139"/>
-              </a:lnSpc>
-            </a:pPr>
-            <a:r>
-              <a:rPr lang="en-US" sz="3724" spc="364" err="1">
-                <a:solidFill>
-                  <a:srgbClr val="231F20"/>
-                </a:solidFill>
-                <a:latin typeface="DM Sans"/>
-              </a:rPr>
-              <a:t>Chưa</a:t>
-            </a:r>
-            <a:r>
-              <a:rPr lang="en-US" sz="3724" spc="364">
-                <a:solidFill>
-                  <a:srgbClr val="231F20"/>
-                </a:solidFill>
-                <a:latin typeface="DM Sans"/>
-              </a:rPr>
-              <a:t> </a:t>
-            </a:r>
-            <a:r>
-              <a:rPr lang="en-US" sz="3724" spc="364" err="1">
-                <a:solidFill>
-                  <a:srgbClr val="231F20"/>
-                </a:solidFill>
-                <a:latin typeface="DM Sans"/>
-              </a:rPr>
-              <a:t>áp</a:t>
-            </a:r>
-            <a:r>
-              <a:rPr lang="en-US" sz="3724" spc="364">
-                <a:solidFill>
-                  <a:srgbClr val="231F20"/>
-                </a:solidFill>
-                <a:latin typeface="DM Sans"/>
-              </a:rPr>
-              <a:t> </a:t>
-            </a:r>
-            <a:r>
-              <a:rPr lang="en-US" sz="3724" spc="364" err="1">
-                <a:solidFill>
-                  <a:srgbClr val="231F20"/>
-                </a:solidFill>
-                <a:latin typeface="DM Sans"/>
-              </a:rPr>
-              <a:t>dụng</a:t>
-            </a:r>
-            <a:r>
-              <a:rPr lang="en-US" sz="3724" spc="364">
-                <a:solidFill>
-                  <a:srgbClr val="231F20"/>
-                </a:solidFill>
-                <a:latin typeface="DM Sans"/>
-              </a:rPr>
-              <a:t> </a:t>
-            </a:r>
-            <a:r>
-              <a:rPr lang="en-US" sz="3724" spc="364" err="1">
-                <a:solidFill>
-                  <a:srgbClr val="231F20"/>
-                </a:solidFill>
-                <a:latin typeface="DM Sans"/>
-              </a:rPr>
-              <a:t>được</a:t>
-            </a:r>
-            <a:r>
-              <a:rPr lang="en-US" sz="3724" spc="364">
-                <a:solidFill>
-                  <a:srgbClr val="231F20"/>
-                </a:solidFill>
-                <a:latin typeface="DM Sans"/>
-              </a:rPr>
-              <a:t> Print</a:t>
-            </a:r>
-          </a:p>
-        </p:txBody>
       </p:sp>
       <p:sp>
         <p:nvSpPr>
